--- a/Spring5笔记/IOC底层原理.pptx
+++ b/Spring5笔记/IOC底层原理.pptx
@@ -8,6 +8,7 @@
     <p:sldId id="256" r:id="rId2"/>
     <p:sldId id="257" r:id="rId3"/>
     <p:sldId id="258" r:id="rId4"/>
+    <p:sldId id="259" r:id="rId5"/>
   </p:sldIdLst>
   <p:sldSz cx="12192000" cy="6858000"/>
   <p:notesSz cx="6858000" cy="9144000"/>
@@ -106,6 +107,11 @@
       </a:defRPr>
     </a:lvl9pPr>
   </p:defaultTextStyle>
+  <p:extLst>
+    <p:ext uri="{EFAFB233-063F-42B5-8137-9DF3F51BA10A}">
+      <p15:sldGuideLst xmlns:p15="http://schemas.microsoft.com/office/powerpoint/2012/main"/>
+    </p:ext>
+  </p:extLst>
 </p:presentation>
 </file>
 
@@ -151,10 +157,9 @@
           </a:lstStyle>
           <a:p>
             <a:r>
-              <a:rPr lang="zh-CN" altLang="en-US" smtClean="0"/>
+              <a:rPr lang="zh-CN" altLang="en-US"/>
               <a:t>单击此处编辑母版标题样式</a:t>
             </a:r>
-            <a:endParaRPr lang="zh-CN" altLang="en-US"/>
           </a:p>
         </p:txBody>
       </p:sp>
@@ -216,10 +221,9 @@
           </a:lstStyle>
           <a:p>
             <a:r>
-              <a:rPr lang="zh-CN" altLang="en-US" smtClean="0"/>
+              <a:rPr lang="zh-CN" altLang="en-US"/>
               <a:t>单击此处编辑母版副标题样式</a:t>
             </a:r>
-            <a:endParaRPr lang="zh-CN" altLang="en-US"/>
           </a:p>
         </p:txBody>
       </p:sp>
@@ -240,7 +244,7 @@
           <a:p>
             <a:fld id="{5D717B3C-16ED-4ACE-9F88-50E84E2393BE}" type="datetimeFigureOut">
               <a:rPr lang="zh-CN" altLang="en-US" smtClean="0"/>
-              <a:t>2020/11/25</a:t>
+              <a:t>2020/12/9</a:t>
             </a:fld>
             <a:endParaRPr lang="zh-CN" altLang="en-US"/>
           </a:p>
@@ -334,10 +338,9 @@
           <a:lstStyle/>
           <a:p>
             <a:r>
-              <a:rPr lang="zh-CN" altLang="en-US" smtClean="0"/>
+              <a:rPr lang="zh-CN" altLang="en-US"/>
               <a:t>单击此处编辑母版标题样式</a:t>
             </a:r>
-            <a:endParaRPr lang="zh-CN" altLang="en-US"/>
           </a:p>
         </p:txBody>
       </p:sp>
@@ -358,38 +361,37 @@
           <a:p>
             <a:pPr lvl="0"/>
             <a:r>
-              <a:rPr lang="zh-CN" altLang="en-US" smtClean="0"/>
+              <a:rPr lang="zh-CN" altLang="en-US"/>
               <a:t>单击此处编辑母版文本样式</a:t>
             </a:r>
           </a:p>
           <a:p>
             <a:pPr lvl="1"/>
             <a:r>
-              <a:rPr lang="zh-CN" altLang="en-US" smtClean="0"/>
+              <a:rPr lang="zh-CN" altLang="en-US"/>
               <a:t>第二级</a:t>
             </a:r>
           </a:p>
           <a:p>
             <a:pPr lvl="2"/>
             <a:r>
-              <a:rPr lang="zh-CN" altLang="en-US" smtClean="0"/>
+              <a:rPr lang="zh-CN" altLang="en-US"/>
               <a:t>第三级</a:t>
             </a:r>
           </a:p>
           <a:p>
             <a:pPr lvl="3"/>
             <a:r>
-              <a:rPr lang="zh-CN" altLang="en-US" smtClean="0"/>
+              <a:rPr lang="zh-CN" altLang="en-US"/>
               <a:t>第四级</a:t>
             </a:r>
           </a:p>
           <a:p>
             <a:pPr lvl="4"/>
             <a:r>
-              <a:rPr lang="zh-CN" altLang="en-US" smtClean="0"/>
+              <a:rPr lang="zh-CN" altLang="en-US"/>
               <a:t>第五级</a:t>
             </a:r>
-            <a:endParaRPr lang="zh-CN" altLang="en-US"/>
           </a:p>
         </p:txBody>
       </p:sp>
@@ -410,7 +412,7 @@
           <a:p>
             <a:fld id="{5D717B3C-16ED-4ACE-9F88-50E84E2393BE}" type="datetimeFigureOut">
               <a:rPr lang="zh-CN" altLang="en-US" smtClean="0"/>
-              <a:t>2020/11/25</a:t>
+              <a:t>2020/12/9</a:t>
             </a:fld>
             <a:endParaRPr lang="zh-CN" altLang="en-US"/>
           </a:p>
@@ -509,10 +511,9 @@
           <a:lstStyle/>
           <a:p>
             <a:r>
-              <a:rPr lang="zh-CN" altLang="en-US" smtClean="0"/>
+              <a:rPr lang="zh-CN" altLang="en-US"/>
               <a:t>单击此处编辑母版标题样式</a:t>
             </a:r>
-            <a:endParaRPr lang="zh-CN" altLang="en-US"/>
           </a:p>
         </p:txBody>
       </p:sp>
@@ -538,38 +539,37 @@
           <a:p>
             <a:pPr lvl="0"/>
             <a:r>
-              <a:rPr lang="zh-CN" altLang="en-US" smtClean="0"/>
+              <a:rPr lang="zh-CN" altLang="en-US"/>
               <a:t>单击此处编辑母版文本样式</a:t>
             </a:r>
           </a:p>
           <a:p>
             <a:pPr lvl="1"/>
             <a:r>
-              <a:rPr lang="zh-CN" altLang="en-US" smtClean="0"/>
+              <a:rPr lang="zh-CN" altLang="en-US"/>
               <a:t>第二级</a:t>
             </a:r>
           </a:p>
           <a:p>
             <a:pPr lvl="2"/>
             <a:r>
-              <a:rPr lang="zh-CN" altLang="en-US" smtClean="0"/>
+              <a:rPr lang="zh-CN" altLang="en-US"/>
               <a:t>第三级</a:t>
             </a:r>
           </a:p>
           <a:p>
             <a:pPr lvl="3"/>
             <a:r>
-              <a:rPr lang="zh-CN" altLang="en-US" smtClean="0"/>
+              <a:rPr lang="zh-CN" altLang="en-US"/>
               <a:t>第四级</a:t>
             </a:r>
           </a:p>
           <a:p>
             <a:pPr lvl="4"/>
             <a:r>
-              <a:rPr lang="zh-CN" altLang="en-US" smtClean="0"/>
+              <a:rPr lang="zh-CN" altLang="en-US"/>
               <a:t>第五级</a:t>
             </a:r>
-            <a:endParaRPr lang="zh-CN" altLang="en-US"/>
           </a:p>
         </p:txBody>
       </p:sp>
@@ -590,7 +590,7 @@
           <a:p>
             <a:fld id="{5D717B3C-16ED-4ACE-9F88-50E84E2393BE}" type="datetimeFigureOut">
               <a:rPr lang="zh-CN" altLang="en-US" smtClean="0"/>
-              <a:t>2020/11/25</a:t>
+              <a:t>2020/12/9</a:t>
             </a:fld>
             <a:endParaRPr lang="zh-CN" altLang="en-US"/>
           </a:p>
@@ -684,10 +684,9 @@
           <a:lstStyle/>
           <a:p>
             <a:r>
-              <a:rPr lang="zh-CN" altLang="en-US" smtClean="0"/>
+              <a:rPr lang="zh-CN" altLang="en-US"/>
               <a:t>单击此处编辑母版标题样式</a:t>
             </a:r>
-            <a:endParaRPr lang="zh-CN" altLang="en-US"/>
           </a:p>
         </p:txBody>
       </p:sp>
@@ -708,38 +707,37 @@
           <a:p>
             <a:pPr lvl="0"/>
             <a:r>
-              <a:rPr lang="zh-CN" altLang="en-US" smtClean="0"/>
+              <a:rPr lang="zh-CN" altLang="en-US"/>
               <a:t>单击此处编辑母版文本样式</a:t>
             </a:r>
           </a:p>
           <a:p>
             <a:pPr lvl="1"/>
             <a:r>
-              <a:rPr lang="zh-CN" altLang="en-US" smtClean="0"/>
+              <a:rPr lang="zh-CN" altLang="en-US"/>
               <a:t>第二级</a:t>
             </a:r>
           </a:p>
           <a:p>
             <a:pPr lvl="2"/>
             <a:r>
-              <a:rPr lang="zh-CN" altLang="en-US" smtClean="0"/>
+              <a:rPr lang="zh-CN" altLang="en-US"/>
               <a:t>第三级</a:t>
             </a:r>
           </a:p>
           <a:p>
             <a:pPr lvl="3"/>
             <a:r>
-              <a:rPr lang="zh-CN" altLang="en-US" smtClean="0"/>
+              <a:rPr lang="zh-CN" altLang="en-US"/>
               <a:t>第四级</a:t>
             </a:r>
           </a:p>
           <a:p>
             <a:pPr lvl="4"/>
             <a:r>
-              <a:rPr lang="zh-CN" altLang="en-US" smtClean="0"/>
+              <a:rPr lang="zh-CN" altLang="en-US"/>
               <a:t>第五级</a:t>
             </a:r>
-            <a:endParaRPr lang="zh-CN" altLang="en-US"/>
           </a:p>
         </p:txBody>
       </p:sp>
@@ -760,7 +758,7 @@
           <a:p>
             <a:fld id="{5D717B3C-16ED-4ACE-9F88-50E84E2393BE}" type="datetimeFigureOut">
               <a:rPr lang="zh-CN" altLang="en-US" smtClean="0"/>
-              <a:t>2020/11/25</a:t>
+              <a:t>2020/12/9</a:t>
             </a:fld>
             <a:endParaRPr lang="zh-CN" altLang="en-US"/>
           </a:p>
@@ -863,10 +861,9 @@
           </a:lstStyle>
           <a:p>
             <a:r>
-              <a:rPr lang="zh-CN" altLang="en-US" smtClean="0"/>
+              <a:rPr lang="zh-CN" altLang="en-US"/>
               <a:t>单击此处编辑母版标题样式</a:t>
             </a:r>
-            <a:endParaRPr lang="zh-CN" altLang="en-US"/>
           </a:p>
         </p:txBody>
       </p:sp>
@@ -983,7 +980,7 @@
           <a:p>
             <a:pPr lvl="0"/>
             <a:r>
-              <a:rPr lang="zh-CN" altLang="en-US" smtClean="0"/>
+              <a:rPr lang="zh-CN" altLang="en-US"/>
               <a:t>单击此处编辑母版文本样式</a:t>
             </a:r>
           </a:p>
@@ -1006,7 +1003,7 @@
           <a:p>
             <a:fld id="{5D717B3C-16ED-4ACE-9F88-50E84E2393BE}" type="datetimeFigureOut">
               <a:rPr lang="zh-CN" altLang="en-US" smtClean="0"/>
-              <a:t>2020/11/25</a:t>
+              <a:t>2020/12/9</a:t>
             </a:fld>
             <a:endParaRPr lang="zh-CN" altLang="en-US"/>
           </a:p>
@@ -1100,10 +1097,9 @@
           <a:lstStyle/>
           <a:p>
             <a:r>
-              <a:rPr lang="zh-CN" altLang="en-US" smtClean="0"/>
+              <a:rPr lang="zh-CN" altLang="en-US"/>
               <a:t>单击此处编辑母版标题样式</a:t>
             </a:r>
-            <a:endParaRPr lang="zh-CN" altLang="en-US"/>
           </a:p>
         </p:txBody>
       </p:sp>
@@ -1129,38 +1125,37 @@
           <a:p>
             <a:pPr lvl="0"/>
             <a:r>
-              <a:rPr lang="zh-CN" altLang="en-US" smtClean="0"/>
+              <a:rPr lang="zh-CN" altLang="en-US"/>
               <a:t>单击此处编辑母版文本样式</a:t>
             </a:r>
           </a:p>
           <a:p>
             <a:pPr lvl="1"/>
             <a:r>
-              <a:rPr lang="zh-CN" altLang="en-US" smtClean="0"/>
+              <a:rPr lang="zh-CN" altLang="en-US"/>
               <a:t>第二级</a:t>
             </a:r>
           </a:p>
           <a:p>
             <a:pPr lvl="2"/>
             <a:r>
-              <a:rPr lang="zh-CN" altLang="en-US" smtClean="0"/>
+              <a:rPr lang="zh-CN" altLang="en-US"/>
               <a:t>第三级</a:t>
             </a:r>
           </a:p>
           <a:p>
             <a:pPr lvl="3"/>
             <a:r>
-              <a:rPr lang="zh-CN" altLang="en-US" smtClean="0"/>
+              <a:rPr lang="zh-CN" altLang="en-US"/>
               <a:t>第四级</a:t>
             </a:r>
           </a:p>
           <a:p>
             <a:pPr lvl="4"/>
             <a:r>
-              <a:rPr lang="zh-CN" altLang="en-US" smtClean="0"/>
+              <a:rPr lang="zh-CN" altLang="en-US"/>
               <a:t>第五级</a:t>
             </a:r>
-            <a:endParaRPr lang="zh-CN" altLang="en-US"/>
           </a:p>
         </p:txBody>
       </p:sp>
@@ -1186,38 +1181,37 @@
           <a:p>
             <a:pPr lvl="0"/>
             <a:r>
-              <a:rPr lang="zh-CN" altLang="en-US" smtClean="0"/>
+              <a:rPr lang="zh-CN" altLang="en-US"/>
               <a:t>单击此处编辑母版文本样式</a:t>
             </a:r>
           </a:p>
           <a:p>
             <a:pPr lvl="1"/>
             <a:r>
-              <a:rPr lang="zh-CN" altLang="en-US" smtClean="0"/>
+              <a:rPr lang="zh-CN" altLang="en-US"/>
               <a:t>第二级</a:t>
             </a:r>
           </a:p>
           <a:p>
             <a:pPr lvl="2"/>
             <a:r>
-              <a:rPr lang="zh-CN" altLang="en-US" smtClean="0"/>
+              <a:rPr lang="zh-CN" altLang="en-US"/>
               <a:t>第三级</a:t>
             </a:r>
           </a:p>
           <a:p>
             <a:pPr lvl="3"/>
             <a:r>
-              <a:rPr lang="zh-CN" altLang="en-US" smtClean="0"/>
+              <a:rPr lang="zh-CN" altLang="en-US"/>
               <a:t>第四级</a:t>
             </a:r>
           </a:p>
           <a:p>
             <a:pPr lvl="4"/>
             <a:r>
-              <a:rPr lang="zh-CN" altLang="en-US" smtClean="0"/>
+              <a:rPr lang="zh-CN" altLang="en-US"/>
               <a:t>第五级</a:t>
             </a:r>
-            <a:endParaRPr lang="zh-CN" altLang="en-US"/>
           </a:p>
         </p:txBody>
       </p:sp>
@@ -1238,7 +1232,7 @@
           <a:p>
             <a:fld id="{5D717B3C-16ED-4ACE-9F88-50E84E2393BE}" type="datetimeFigureOut">
               <a:rPr lang="zh-CN" altLang="en-US" smtClean="0"/>
-              <a:t>2020/11/25</a:t>
+              <a:t>2020/12/9</a:t>
             </a:fld>
             <a:endParaRPr lang="zh-CN" altLang="en-US"/>
           </a:p>
@@ -1337,10 +1331,9 @@
           <a:lstStyle/>
           <a:p>
             <a:r>
-              <a:rPr lang="zh-CN" altLang="en-US" smtClean="0"/>
+              <a:rPr lang="zh-CN" altLang="en-US"/>
               <a:t>单击此处编辑母版标题样式</a:t>
             </a:r>
-            <a:endParaRPr lang="zh-CN" altLang="en-US"/>
           </a:p>
         </p:txBody>
       </p:sp>
@@ -1403,7 +1396,7 @@
           <a:p>
             <a:pPr lvl="0"/>
             <a:r>
-              <a:rPr lang="zh-CN" altLang="en-US" smtClean="0"/>
+              <a:rPr lang="zh-CN" altLang="en-US"/>
               <a:t>单击此处编辑母版文本样式</a:t>
             </a:r>
           </a:p>
@@ -1431,38 +1424,37 @@
           <a:p>
             <a:pPr lvl="0"/>
             <a:r>
-              <a:rPr lang="zh-CN" altLang="en-US" smtClean="0"/>
+              <a:rPr lang="zh-CN" altLang="en-US"/>
               <a:t>单击此处编辑母版文本样式</a:t>
             </a:r>
           </a:p>
           <a:p>
             <a:pPr lvl="1"/>
             <a:r>
-              <a:rPr lang="zh-CN" altLang="en-US" smtClean="0"/>
+              <a:rPr lang="zh-CN" altLang="en-US"/>
               <a:t>第二级</a:t>
             </a:r>
           </a:p>
           <a:p>
             <a:pPr lvl="2"/>
             <a:r>
-              <a:rPr lang="zh-CN" altLang="en-US" smtClean="0"/>
+              <a:rPr lang="zh-CN" altLang="en-US"/>
               <a:t>第三级</a:t>
             </a:r>
           </a:p>
           <a:p>
             <a:pPr lvl="3"/>
             <a:r>
-              <a:rPr lang="zh-CN" altLang="en-US" smtClean="0"/>
+              <a:rPr lang="zh-CN" altLang="en-US"/>
               <a:t>第四级</a:t>
             </a:r>
           </a:p>
           <a:p>
             <a:pPr lvl="4"/>
             <a:r>
-              <a:rPr lang="zh-CN" altLang="en-US" smtClean="0"/>
+              <a:rPr lang="zh-CN" altLang="en-US"/>
               <a:t>第五级</a:t>
             </a:r>
-            <a:endParaRPr lang="zh-CN" altLang="en-US"/>
           </a:p>
         </p:txBody>
       </p:sp>
@@ -1525,7 +1517,7 @@
           <a:p>
             <a:pPr lvl="0"/>
             <a:r>
-              <a:rPr lang="zh-CN" altLang="en-US" smtClean="0"/>
+              <a:rPr lang="zh-CN" altLang="en-US"/>
               <a:t>单击此处编辑母版文本样式</a:t>
             </a:r>
           </a:p>
@@ -1553,38 +1545,37 @@
           <a:p>
             <a:pPr lvl="0"/>
             <a:r>
-              <a:rPr lang="zh-CN" altLang="en-US" smtClean="0"/>
+              <a:rPr lang="zh-CN" altLang="en-US"/>
               <a:t>单击此处编辑母版文本样式</a:t>
             </a:r>
           </a:p>
           <a:p>
             <a:pPr lvl="1"/>
             <a:r>
-              <a:rPr lang="zh-CN" altLang="en-US" smtClean="0"/>
+              <a:rPr lang="zh-CN" altLang="en-US"/>
               <a:t>第二级</a:t>
             </a:r>
           </a:p>
           <a:p>
             <a:pPr lvl="2"/>
             <a:r>
-              <a:rPr lang="zh-CN" altLang="en-US" smtClean="0"/>
+              <a:rPr lang="zh-CN" altLang="en-US"/>
               <a:t>第三级</a:t>
             </a:r>
           </a:p>
           <a:p>
             <a:pPr lvl="3"/>
             <a:r>
-              <a:rPr lang="zh-CN" altLang="en-US" smtClean="0"/>
+              <a:rPr lang="zh-CN" altLang="en-US"/>
               <a:t>第四级</a:t>
             </a:r>
           </a:p>
           <a:p>
             <a:pPr lvl="4"/>
             <a:r>
-              <a:rPr lang="zh-CN" altLang="en-US" smtClean="0"/>
+              <a:rPr lang="zh-CN" altLang="en-US"/>
               <a:t>第五级</a:t>
             </a:r>
-            <a:endParaRPr lang="zh-CN" altLang="en-US"/>
           </a:p>
         </p:txBody>
       </p:sp>
@@ -1605,7 +1596,7 @@
           <a:p>
             <a:fld id="{5D717B3C-16ED-4ACE-9F88-50E84E2393BE}" type="datetimeFigureOut">
               <a:rPr lang="zh-CN" altLang="en-US" smtClean="0"/>
-              <a:t>2020/11/25</a:t>
+              <a:t>2020/12/9</a:t>
             </a:fld>
             <a:endParaRPr lang="zh-CN" altLang="en-US"/>
           </a:p>
@@ -1699,10 +1690,9 @@
           <a:lstStyle/>
           <a:p>
             <a:r>
-              <a:rPr lang="zh-CN" altLang="en-US" smtClean="0"/>
+              <a:rPr lang="zh-CN" altLang="en-US"/>
               <a:t>单击此处编辑母版标题样式</a:t>
             </a:r>
-            <a:endParaRPr lang="zh-CN" altLang="en-US"/>
           </a:p>
         </p:txBody>
       </p:sp>
@@ -1723,7 +1713,7 @@
           <a:p>
             <a:fld id="{5D717B3C-16ED-4ACE-9F88-50E84E2393BE}" type="datetimeFigureOut">
               <a:rPr lang="zh-CN" altLang="en-US" smtClean="0"/>
-              <a:t>2020/11/25</a:t>
+              <a:t>2020/12/9</a:t>
             </a:fld>
             <a:endParaRPr lang="zh-CN" altLang="en-US"/>
           </a:p>
@@ -1818,7 +1808,7 @@
           <a:p>
             <a:fld id="{5D717B3C-16ED-4ACE-9F88-50E84E2393BE}" type="datetimeFigureOut">
               <a:rPr lang="zh-CN" altLang="en-US" smtClean="0"/>
-              <a:t>2020/11/25</a:t>
+              <a:t>2020/12/9</a:t>
             </a:fld>
             <a:endParaRPr lang="zh-CN" altLang="en-US"/>
           </a:p>
@@ -1921,10 +1911,9 @@
           </a:lstStyle>
           <a:p>
             <a:r>
-              <a:rPr lang="zh-CN" altLang="en-US" smtClean="0"/>
+              <a:rPr lang="zh-CN" altLang="en-US"/>
               <a:t>单击此处编辑母版标题样式</a:t>
             </a:r>
-            <a:endParaRPr lang="zh-CN" altLang="en-US"/>
           </a:p>
         </p:txBody>
       </p:sp>
@@ -1978,38 +1967,37 @@
           <a:p>
             <a:pPr lvl="0"/>
             <a:r>
-              <a:rPr lang="zh-CN" altLang="en-US" smtClean="0"/>
+              <a:rPr lang="zh-CN" altLang="en-US"/>
               <a:t>单击此处编辑母版文本样式</a:t>
             </a:r>
           </a:p>
           <a:p>
             <a:pPr lvl="1"/>
             <a:r>
-              <a:rPr lang="zh-CN" altLang="en-US" smtClean="0"/>
+              <a:rPr lang="zh-CN" altLang="en-US"/>
               <a:t>第二级</a:t>
             </a:r>
           </a:p>
           <a:p>
             <a:pPr lvl="2"/>
             <a:r>
-              <a:rPr lang="zh-CN" altLang="en-US" smtClean="0"/>
+              <a:rPr lang="zh-CN" altLang="en-US"/>
               <a:t>第三级</a:t>
             </a:r>
           </a:p>
           <a:p>
             <a:pPr lvl="3"/>
             <a:r>
-              <a:rPr lang="zh-CN" altLang="en-US" smtClean="0"/>
+              <a:rPr lang="zh-CN" altLang="en-US"/>
               <a:t>第四级</a:t>
             </a:r>
           </a:p>
           <a:p>
             <a:pPr lvl="4"/>
             <a:r>
-              <a:rPr lang="zh-CN" altLang="en-US" smtClean="0"/>
+              <a:rPr lang="zh-CN" altLang="en-US"/>
               <a:t>第五级</a:t>
             </a:r>
-            <a:endParaRPr lang="zh-CN" altLang="en-US"/>
           </a:p>
         </p:txBody>
       </p:sp>
@@ -2072,7 +2060,7 @@
           <a:p>
             <a:pPr lvl="0"/>
             <a:r>
-              <a:rPr lang="zh-CN" altLang="en-US" smtClean="0"/>
+              <a:rPr lang="zh-CN" altLang="en-US"/>
               <a:t>单击此处编辑母版文本样式</a:t>
             </a:r>
           </a:p>
@@ -2095,7 +2083,7 @@
           <a:p>
             <a:fld id="{5D717B3C-16ED-4ACE-9F88-50E84E2393BE}" type="datetimeFigureOut">
               <a:rPr lang="zh-CN" altLang="en-US" smtClean="0"/>
-              <a:t>2020/11/25</a:t>
+              <a:t>2020/12/9</a:t>
             </a:fld>
             <a:endParaRPr lang="zh-CN" altLang="en-US"/>
           </a:p>
@@ -2198,10 +2186,9 @@
           </a:lstStyle>
           <a:p>
             <a:r>
-              <a:rPr lang="zh-CN" altLang="en-US" smtClean="0"/>
+              <a:rPr lang="zh-CN" altLang="en-US"/>
               <a:t>单击此处编辑母版标题样式</a:t>
             </a:r>
-            <a:endParaRPr lang="zh-CN" altLang="en-US"/>
           </a:p>
         </p:txBody>
       </p:sp>
@@ -2325,7 +2312,7 @@
           <a:p>
             <a:pPr lvl="0"/>
             <a:r>
-              <a:rPr lang="zh-CN" altLang="en-US" smtClean="0"/>
+              <a:rPr lang="zh-CN" altLang="en-US"/>
               <a:t>单击此处编辑母版文本样式</a:t>
             </a:r>
           </a:p>
@@ -2348,7 +2335,7 @@
           <a:p>
             <a:fld id="{5D717B3C-16ED-4ACE-9F88-50E84E2393BE}" type="datetimeFigureOut">
               <a:rPr lang="zh-CN" altLang="en-US" smtClean="0"/>
-              <a:t>2020/11/25</a:t>
+              <a:t>2020/12/9</a:t>
             </a:fld>
             <a:endParaRPr lang="zh-CN" altLang="en-US"/>
           </a:p>
@@ -2457,10 +2444,9 @@
           <a:lstStyle/>
           <a:p>
             <a:r>
-              <a:rPr lang="zh-CN" altLang="en-US" smtClean="0"/>
+              <a:rPr lang="zh-CN" altLang="en-US"/>
               <a:t>单击此处编辑母版标题样式</a:t>
             </a:r>
-            <a:endParaRPr lang="zh-CN" altLang="en-US"/>
           </a:p>
         </p:txBody>
       </p:sp>
@@ -2491,38 +2477,37 @@
           <a:p>
             <a:pPr lvl="0"/>
             <a:r>
-              <a:rPr lang="zh-CN" altLang="en-US" smtClean="0"/>
+              <a:rPr lang="zh-CN" altLang="en-US"/>
               <a:t>单击此处编辑母版文本样式</a:t>
             </a:r>
           </a:p>
           <a:p>
             <a:pPr lvl="1"/>
             <a:r>
-              <a:rPr lang="zh-CN" altLang="en-US" smtClean="0"/>
+              <a:rPr lang="zh-CN" altLang="en-US"/>
               <a:t>第二级</a:t>
             </a:r>
           </a:p>
           <a:p>
             <a:pPr lvl="2"/>
             <a:r>
-              <a:rPr lang="zh-CN" altLang="en-US" smtClean="0"/>
+              <a:rPr lang="zh-CN" altLang="en-US"/>
               <a:t>第三级</a:t>
             </a:r>
           </a:p>
           <a:p>
             <a:pPr lvl="3"/>
             <a:r>
-              <a:rPr lang="zh-CN" altLang="en-US" smtClean="0"/>
+              <a:rPr lang="zh-CN" altLang="en-US"/>
               <a:t>第四级</a:t>
             </a:r>
           </a:p>
           <a:p>
             <a:pPr lvl="4"/>
             <a:r>
-              <a:rPr lang="zh-CN" altLang="en-US" smtClean="0"/>
+              <a:rPr lang="zh-CN" altLang="en-US"/>
               <a:t>第五级</a:t>
             </a:r>
-            <a:endParaRPr lang="zh-CN" altLang="en-US"/>
           </a:p>
         </p:txBody>
       </p:sp>
@@ -2561,7 +2546,7 @@
           <a:p>
             <a:fld id="{5D717B3C-16ED-4ACE-9F88-50E84E2393BE}" type="datetimeFigureOut">
               <a:rPr lang="zh-CN" altLang="en-US" smtClean="0"/>
-              <a:t>2020/11/25</a:t>
+              <a:t>2020/12/9</a:t>
             </a:fld>
             <a:endParaRPr lang="zh-CN" altLang="en-US"/>
           </a:p>
@@ -3005,7 +2990,7 @@
           <a:lstStyle/>
           <a:p>
             <a:r>
-              <a:rPr lang="en-US" altLang="zh-CN" dirty="0" smtClean="0">
+              <a:rPr lang="en-US" altLang="zh-CN" dirty="0">
                 <a:solidFill>
                   <a:schemeClr val="tx1"/>
                 </a:solidFill>
@@ -3016,7 +3001,7 @@
           <a:p>
             <a:pPr indent="457200"/>
             <a:r>
-              <a:rPr lang="en-US" altLang="zh-CN" dirty="0" smtClean="0">
+              <a:rPr lang="en-US" altLang="zh-CN" dirty="0">
                 <a:solidFill>
                   <a:schemeClr val="tx1"/>
                 </a:solidFill>
@@ -3027,7 +3012,7 @@
           <a:p>
             <a:pPr indent="914400"/>
             <a:r>
-              <a:rPr lang="en-US" altLang="zh-CN" dirty="0" smtClean="0">
+              <a:rPr lang="en-US" altLang="zh-CN" dirty="0">
                 <a:solidFill>
                   <a:schemeClr val="tx1"/>
                 </a:solidFill>
@@ -3038,38 +3023,28 @@
           <a:p>
             <a:pPr indent="914400"/>
             <a:r>
-              <a:rPr lang="en-US" altLang="zh-CN" dirty="0" smtClean="0">
+              <a:rPr lang="en-US" altLang="zh-CN" dirty="0">
                 <a:solidFill>
                   <a:schemeClr val="tx1"/>
                 </a:solidFill>
               </a:rPr>
               <a:t>dao.add();</a:t>
             </a:r>
-            <a:endParaRPr lang="en-US" altLang="zh-CN" dirty="0">
-              <a:solidFill>
-                <a:schemeClr val="tx1"/>
-              </a:solidFill>
-            </a:endParaRPr>
           </a:p>
           <a:p>
             <a:pPr indent="457200"/>
             <a:r>
-              <a:rPr lang="en-US" altLang="zh-CN" dirty="0" smtClean="0">
+              <a:rPr lang="en-US" altLang="zh-CN" dirty="0">
                 <a:solidFill>
                   <a:schemeClr val="tx1"/>
                 </a:solidFill>
               </a:rPr>
               <a:t>}</a:t>
             </a:r>
-            <a:endParaRPr lang="en-US" altLang="zh-CN" dirty="0">
-              <a:solidFill>
-                <a:schemeClr val="tx1"/>
-              </a:solidFill>
-            </a:endParaRPr>
-          </a:p>
-          <a:p>
-            <a:r>
-              <a:rPr lang="en-US" altLang="zh-CN" dirty="0" smtClean="0">
+          </a:p>
+          <a:p>
+            <a:r>
+              <a:rPr lang="en-US" altLang="zh-CN" dirty="0">
                 <a:solidFill>
                   <a:schemeClr val="tx1"/>
                 </a:solidFill>
@@ -3102,10 +3077,9 @@
           <a:lstStyle/>
           <a:p>
             <a:r>
-              <a:rPr lang="zh-CN" altLang="en-US" dirty="0" smtClean="0"/>
+              <a:rPr lang="zh-CN" altLang="en-US" dirty="0"/>
               <a:t>原始创建方法</a:t>
             </a:r>
-            <a:endParaRPr lang="zh-CN" altLang="en-US" dirty="0"/>
           </a:p>
         </p:txBody>
       </p:sp>
@@ -3148,7 +3122,7 @@
           <a:lstStyle/>
           <a:p>
             <a:r>
-              <a:rPr lang="en-US" altLang="zh-CN" dirty="0" smtClean="0">
+              <a:rPr lang="en-US" altLang="zh-CN" dirty="0">
                 <a:solidFill>
                   <a:schemeClr val="tx1"/>
                 </a:solidFill>
@@ -3159,7 +3133,7 @@
           <a:p>
             <a:pPr indent="457200"/>
             <a:r>
-              <a:rPr lang="en-US" altLang="zh-CN" dirty="0" smtClean="0">
+              <a:rPr lang="en-US" altLang="zh-CN" dirty="0">
                 <a:solidFill>
                   <a:schemeClr val="tx1"/>
                 </a:solidFill>
@@ -3170,7 +3144,7 @@
           <a:p>
             <a:pPr indent="914400"/>
             <a:r>
-              <a:rPr lang="en-US" altLang="zh-CN" dirty="0" smtClean="0">
+              <a:rPr lang="en-US" altLang="zh-CN" dirty="0">
                 <a:solidFill>
                   <a:schemeClr val="tx1"/>
                 </a:solidFill>
@@ -3181,22 +3155,17 @@
           <a:p>
             <a:pPr indent="457200"/>
             <a:r>
-              <a:rPr lang="en-US" altLang="zh-CN" dirty="0" smtClean="0">
+              <a:rPr lang="en-US" altLang="zh-CN" dirty="0">
                 <a:solidFill>
                   <a:schemeClr val="tx1"/>
                 </a:solidFill>
               </a:rPr>
               <a:t>}</a:t>
             </a:r>
-            <a:endParaRPr lang="en-US" altLang="zh-CN" dirty="0">
-              <a:solidFill>
-                <a:schemeClr val="tx1"/>
-              </a:solidFill>
-            </a:endParaRPr>
-          </a:p>
-          <a:p>
-            <a:r>
-              <a:rPr lang="en-US" altLang="zh-CN" dirty="0" smtClean="0">
+          </a:p>
+          <a:p>
+            <a:r>
+              <a:rPr lang="en-US" altLang="zh-CN" dirty="0">
                 <a:solidFill>
                   <a:schemeClr val="tx1"/>
                 </a:solidFill>
@@ -3266,10 +3235,9 @@
           <a:lstStyle/>
           <a:p>
             <a:r>
-              <a:rPr lang="zh-CN" altLang="en-US" dirty="0" smtClean="0"/>
+              <a:rPr lang="zh-CN" altLang="en-US" dirty="0"/>
               <a:t>耦合度过高</a:t>
             </a:r>
-            <a:endParaRPr lang="zh-CN" altLang="en-US" dirty="0"/>
           </a:p>
         </p:txBody>
       </p:sp>
@@ -3342,7 +3310,7 @@
           <a:lstStyle/>
           <a:p>
             <a:r>
-              <a:rPr lang="en-US" altLang="zh-CN" dirty="0" smtClean="0">
+              <a:rPr lang="en-US" altLang="zh-CN" dirty="0">
                 <a:solidFill>
                   <a:schemeClr val="tx1"/>
                 </a:solidFill>
@@ -3353,7 +3321,7 @@
           <a:p>
             <a:pPr indent="457200"/>
             <a:r>
-              <a:rPr lang="en-US" altLang="zh-CN" dirty="0" smtClean="0">
+              <a:rPr lang="en-US" altLang="zh-CN" dirty="0">
                 <a:solidFill>
                   <a:schemeClr val="tx1"/>
                 </a:solidFill>
@@ -3364,7 +3332,7 @@
           <a:p>
             <a:pPr indent="914400"/>
             <a:r>
-              <a:rPr lang="en-US" altLang="zh-CN" dirty="0" smtClean="0">
+              <a:rPr lang="en-US" altLang="zh-CN" dirty="0">
                 <a:solidFill>
                   <a:schemeClr val="tx1"/>
                 </a:solidFill>
@@ -3375,38 +3343,28 @@
           <a:p>
             <a:pPr indent="914400"/>
             <a:r>
-              <a:rPr lang="en-US" altLang="zh-CN" dirty="0" smtClean="0">
+              <a:rPr lang="en-US" altLang="zh-CN" dirty="0">
                 <a:solidFill>
                   <a:schemeClr val="tx1"/>
                 </a:solidFill>
               </a:rPr>
               <a:t>dao.add();</a:t>
             </a:r>
-            <a:endParaRPr lang="en-US" altLang="zh-CN" dirty="0">
-              <a:solidFill>
-                <a:schemeClr val="tx1"/>
-              </a:solidFill>
-            </a:endParaRPr>
           </a:p>
           <a:p>
             <a:pPr indent="457200"/>
             <a:r>
-              <a:rPr lang="en-US" altLang="zh-CN" dirty="0" smtClean="0">
+              <a:rPr lang="en-US" altLang="zh-CN" dirty="0">
                 <a:solidFill>
                   <a:schemeClr val="tx1"/>
                 </a:solidFill>
               </a:rPr>
               <a:t>}</a:t>
             </a:r>
-            <a:endParaRPr lang="en-US" altLang="zh-CN" dirty="0">
-              <a:solidFill>
-                <a:schemeClr val="tx1"/>
-              </a:solidFill>
-            </a:endParaRPr>
-          </a:p>
-          <a:p>
-            <a:r>
-              <a:rPr lang="en-US" altLang="zh-CN" dirty="0" smtClean="0">
+          </a:p>
+          <a:p>
+            <a:r>
+              <a:rPr lang="en-US" altLang="zh-CN" dirty="0">
                 <a:solidFill>
                   <a:schemeClr val="tx1"/>
                 </a:solidFill>
@@ -3439,10 +3397,9 @@
           <a:lstStyle/>
           <a:p>
             <a:r>
-              <a:rPr lang="zh-CN" altLang="en-US" dirty="0" smtClean="0"/>
+              <a:rPr lang="zh-CN" altLang="en-US" dirty="0"/>
               <a:t>工厂模式</a:t>
             </a:r>
-            <a:endParaRPr lang="zh-CN" altLang="en-US" dirty="0"/>
           </a:p>
         </p:txBody>
       </p:sp>
@@ -3485,7 +3442,7 @@
           <a:lstStyle/>
           <a:p>
             <a:r>
-              <a:rPr lang="en-US" altLang="zh-CN" dirty="0" smtClean="0">
+              <a:rPr lang="en-US" altLang="zh-CN" dirty="0">
                 <a:solidFill>
                   <a:schemeClr val="tx1"/>
                 </a:solidFill>
@@ -3496,7 +3453,7 @@
           <a:p>
             <a:pPr indent="457200"/>
             <a:r>
-              <a:rPr lang="en-US" altLang="zh-CN" dirty="0" smtClean="0">
+              <a:rPr lang="en-US" altLang="zh-CN" dirty="0">
                 <a:solidFill>
                   <a:schemeClr val="tx1"/>
                 </a:solidFill>
@@ -3507,7 +3464,7 @@
           <a:p>
             <a:pPr indent="914400"/>
             <a:r>
-              <a:rPr lang="en-US" altLang="zh-CN" dirty="0" smtClean="0">
+              <a:rPr lang="en-US" altLang="zh-CN" dirty="0">
                 <a:solidFill>
                   <a:schemeClr val="tx1"/>
                 </a:solidFill>
@@ -3518,22 +3475,17 @@
           <a:p>
             <a:pPr indent="457200"/>
             <a:r>
-              <a:rPr lang="en-US" altLang="zh-CN" dirty="0" smtClean="0">
+              <a:rPr lang="en-US" altLang="zh-CN" dirty="0">
                 <a:solidFill>
                   <a:schemeClr val="tx1"/>
                 </a:solidFill>
               </a:rPr>
               <a:t>}</a:t>
             </a:r>
-            <a:endParaRPr lang="en-US" altLang="zh-CN" dirty="0">
-              <a:solidFill>
-                <a:schemeClr val="tx1"/>
-              </a:solidFill>
-            </a:endParaRPr>
-          </a:p>
-          <a:p>
-            <a:r>
-              <a:rPr lang="en-US" altLang="zh-CN" dirty="0" smtClean="0">
+          </a:p>
+          <a:p>
+            <a:r>
+              <a:rPr lang="en-US" altLang="zh-CN" dirty="0">
                 <a:solidFill>
                   <a:schemeClr val="tx1"/>
                 </a:solidFill>
@@ -3582,7 +3534,7 @@
           <a:lstStyle/>
           <a:p>
             <a:r>
-              <a:rPr lang="en-US" altLang="zh-CN" dirty="0" smtClean="0">
+              <a:rPr lang="en-US" altLang="zh-CN" dirty="0">
                 <a:solidFill>
                   <a:schemeClr val="tx1"/>
                 </a:solidFill>
@@ -3593,7 +3545,7 @@
           <a:p>
             <a:pPr indent="457200"/>
             <a:r>
-              <a:rPr lang="en-US" altLang="zh-CN" dirty="0" smtClean="0">
+              <a:rPr lang="en-US" altLang="zh-CN" dirty="0">
                 <a:solidFill>
                   <a:schemeClr val="tx1"/>
                 </a:solidFill>
@@ -3604,7 +3556,7 @@
           <a:p>
             <a:pPr indent="914400"/>
             <a:r>
-              <a:rPr lang="en-US" altLang="zh-CN" dirty="0" smtClean="0">
+              <a:rPr lang="en-US" altLang="zh-CN" dirty="0">
                 <a:solidFill>
                   <a:schemeClr val="tx1"/>
                 </a:solidFill>
@@ -3615,22 +3567,17 @@
           <a:p>
             <a:pPr indent="457200"/>
             <a:r>
-              <a:rPr lang="en-US" altLang="zh-CN" dirty="0" smtClean="0">
+              <a:rPr lang="en-US" altLang="zh-CN" dirty="0">
                 <a:solidFill>
                   <a:schemeClr val="tx1"/>
                 </a:solidFill>
               </a:rPr>
               <a:t>}</a:t>
             </a:r>
-            <a:endParaRPr lang="en-US" altLang="zh-CN" dirty="0">
-              <a:solidFill>
-                <a:schemeClr val="tx1"/>
-              </a:solidFill>
-            </a:endParaRPr>
-          </a:p>
-          <a:p>
-            <a:r>
-              <a:rPr lang="en-US" altLang="zh-CN" dirty="0" smtClean="0">
+          </a:p>
+          <a:p>
+            <a:r>
+              <a:rPr lang="en-US" altLang="zh-CN" dirty="0">
                 <a:solidFill>
                   <a:schemeClr val="tx1"/>
                 </a:solidFill>
@@ -3731,10 +3678,9 @@
           <a:lstStyle/>
           <a:p>
             <a:r>
-              <a:rPr lang="zh-CN" altLang="en-US" dirty="0" smtClean="0"/>
+              <a:rPr lang="zh-CN" altLang="en-US" dirty="0"/>
               <a:t>两者解耦</a:t>
             </a:r>
-            <a:endParaRPr lang="zh-CN" altLang="en-US" dirty="0"/>
           </a:p>
         </p:txBody>
       </p:sp>
@@ -3761,24 +3707,23 @@
           <a:lstStyle/>
           <a:p>
             <a:r>
-              <a:rPr lang="zh-CN" altLang="en-US" dirty="0" smtClean="0"/>
+              <a:rPr lang="zh-CN" altLang="en-US" dirty="0"/>
               <a:t>目的：</a:t>
             </a:r>
-            <a:endParaRPr lang="en-US" altLang="zh-CN" dirty="0" smtClean="0"/>
-          </a:p>
-          <a:p>
-            <a:r>
-              <a:rPr lang="zh-CN" altLang="en-US" dirty="0" smtClean="0"/>
+            <a:endParaRPr lang="en-US" altLang="zh-CN" dirty="0"/>
+          </a:p>
+          <a:p>
+            <a:r>
+              <a:rPr lang="zh-CN" altLang="en-US" dirty="0"/>
               <a:t>将耦合度降低</a:t>
             </a:r>
-            <a:endParaRPr lang="en-US" altLang="zh-CN" dirty="0" smtClean="0"/>
-          </a:p>
-          <a:p>
-            <a:r>
-              <a:rPr lang="zh-CN" altLang="en-US" dirty="0" smtClean="0"/>
+            <a:endParaRPr lang="en-US" altLang="zh-CN" dirty="0"/>
+          </a:p>
+          <a:p>
+            <a:r>
+              <a:rPr lang="zh-CN" altLang="en-US" dirty="0"/>
               <a:t>到最低限度</a:t>
             </a:r>
-            <a:endParaRPr lang="zh-CN" altLang="en-US" dirty="0"/>
           </a:p>
         </p:txBody>
       </p:sp>
@@ -3851,7 +3796,7 @@
           <a:lstStyle/>
           <a:p>
             <a:r>
-              <a:rPr lang="en-US" altLang="zh-CN" dirty="0" smtClean="0">
+              <a:rPr lang="en-US" altLang="zh-CN" dirty="0">
                 <a:solidFill>
                   <a:schemeClr val="tx1"/>
                 </a:solidFill>
@@ -3862,7 +3807,7 @@
           <a:p>
             <a:pPr indent="457200"/>
             <a:r>
-              <a:rPr lang="en-US" altLang="zh-CN" dirty="0" smtClean="0">
+              <a:rPr lang="en-US" altLang="zh-CN" dirty="0">
                 <a:solidFill>
                   <a:schemeClr val="tx1"/>
                 </a:solidFill>
@@ -3873,7 +3818,7 @@
           <a:p>
             <a:pPr indent="914400"/>
             <a:r>
-              <a:rPr lang="en-US" altLang="zh-CN" dirty="0" smtClean="0">
+              <a:rPr lang="en-US" altLang="zh-CN" dirty="0">
                 <a:solidFill>
                   <a:schemeClr val="tx1"/>
                 </a:solidFill>
@@ -3884,38 +3829,28 @@
           <a:p>
             <a:pPr indent="914400"/>
             <a:r>
-              <a:rPr lang="en-US" altLang="zh-CN" dirty="0" smtClean="0">
+              <a:rPr lang="en-US" altLang="zh-CN" dirty="0">
                 <a:solidFill>
                   <a:schemeClr val="tx1"/>
                 </a:solidFill>
               </a:rPr>
               <a:t>dao.add();</a:t>
             </a:r>
-            <a:endParaRPr lang="en-US" altLang="zh-CN" dirty="0">
-              <a:solidFill>
-                <a:schemeClr val="tx1"/>
-              </a:solidFill>
-            </a:endParaRPr>
           </a:p>
           <a:p>
             <a:pPr indent="457200"/>
             <a:r>
-              <a:rPr lang="en-US" altLang="zh-CN" dirty="0" smtClean="0">
+              <a:rPr lang="en-US" altLang="zh-CN" dirty="0">
                 <a:solidFill>
                   <a:schemeClr val="tx1"/>
                 </a:solidFill>
               </a:rPr>
               <a:t>}</a:t>
             </a:r>
-            <a:endParaRPr lang="en-US" altLang="zh-CN" dirty="0">
-              <a:solidFill>
-                <a:schemeClr val="tx1"/>
-              </a:solidFill>
-            </a:endParaRPr>
-          </a:p>
-          <a:p>
-            <a:r>
-              <a:rPr lang="en-US" altLang="zh-CN" dirty="0" smtClean="0">
+          </a:p>
+          <a:p>
+            <a:r>
+              <a:rPr lang="en-US" altLang="zh-CN" dirty="0">
                 <a:solidFill>
                   <a:schemeClr val="tx1"/>
                 </a:solidFill>
@@ -3948,14 +3883,13 @@
           <a:lstStyle/>
           <a:p>
             <a:r>
-              <a:rPr lang="en-US" altLang="zh-CN" dirty="0" smtClean="0"/>
+              <a:rPr lang="en-US" altLang="zh-CN" dirty="0"/>
               <a:t>IOC</a:t>
             </a:r>
             <a:r>
-              <a:rPr lang="zh-CN" altLang="en-US" dirty="0" smtClean="0"/>
+              <a:rPr lang="zh-CN" altLang="en-US" dirty="0"/>
               <a:t>过程</a:t>
             </a:r>
-            <a:endParaRPr lang="zh-CN" altLang="en-US" dirty="0"/>
           </a:p>
         </p:txBody>
       </p:sp>
@@ -3998,7 +3932,7 @@
           <a:lstStyle/>
           <a:p>
             <a:r>
-              <a:rPr lang="en-US" altLang="zh-CN" dirty="0" smtClean="0">
+              <a:rPr lang="en-US" altLang="zh-CN" dirty="0">
                 <a:solidFill>
                   <a:schemeClr val="tx1"/>
                 </a:solidFill>
@@ -4009,7 +3943,7 @@
           <a:p>
             <a:pPr indent="457200"/>
             <a:r>
-              <a:rPr lang="en-US" altLang="zh-CN" dirty="0" smtClean="0">
+              <a:rPr lang="en-US" altLang="zh-CN" dirty="0">
                 <a:solidFill>
                   <a:schemeClr val="tx1"/>
                 </a:solidFill>
@@ -4020,7 +3954,7 @@
           <a:p>
             <a:pPr indent="914400"/>
             <a:r>
-              <a:rPr lang="en-US" altLang="zh-CN" dirty="0" smtClean="0">
+              <a:rPr lang="en-US" altLang="zh-CN" dirty="0">
                 <a:solidFill>
                   <a:schemeClr val="tx1"/>
                 </a:solidFill>
@@ -4031,22 +3965,17 @@
           <a:p>
             <a:pPr indent="457200"/>
             <a:r>
-              <a:rPr lang="en-US" altLang="zh-CN" dirty="0" smtClean="0">
+              <a:rPr lang="en-US" altLang="zh-CN" dirty="0">
                 <a:solidFill>
                   <a:schemeClr val="tx1"/>
                 </a:solidFill>
               </a:rPr>
               <a:t>}</a:t>
             </a:r>
-            <a:endParaRPr lang="en-US" altLang="zh-CN" dirty="0">
-              <a:solidFill>
-                <a:schemeClr val="tx1"/>
-              </a:solidFill>
-            </a:endParaRPr>
-          </a:p>
-          <a:p>
-            <a:r>
-              <a:rPr lang="en-US" altLang="zh-CN" dirty="0" smtClean="0">
+          </a:p>
+          <a:p>
+            <a:r>
+              <a:rPr lang="en-US" altLang="zh-CN" dirty="0">
                 <a:solidFill>
                   <a:schemeClr val="tx1"/>
                 </a:solidFill>
@@ -4095,7 +4024,7 @@
           <a:lstStyle/>
           <a:p>
             <a:r>
-              <a:rPr lang="en-US" altLang="zh-CN" dirty="0" smtClean="0">
+              <a:rPr lang="en-US" altLang="zh-CN" dirty="0">
                 <a:solidFill>
                   <a:schemeClr val="tx1"/>
                 </a:solidFill>
@@ -4106,7 +4035,7 @@
           <a:p>
             <a:pPr indent="457200"/>
             <a:r>
-              <a:rPr lang="en-US" altLang="zh-CN" dirty="0" smtClean="0">
+              <a:rPr lang="en-US" altLang="zh-CN" dirty="0">
                 <a:solidFill>
                   <a:schemeClr val="tx1"/>
                 </a:solidFill>
@@ -4117,7 +4046,7 @@
           <a:p>
             <a:pPr indent="457200"/>
             <a:r>
-              <a:rPr lang="en-US" altLang="zh-CN" dirty="0" smtClean="0">
+              <a:rPr lang="en-US" altLang="zh-CN" dirty="0">
                 <a:solidFill>
                   <a:schemeClr val="tx1"/>
                 </a:solidFill>
@@ -4125,114 +4054,12 @@
               <a:t>	// xml</a:t>
             </a:r>
             <a:r>
-              <a:rPr lang="zh-CN" altLang="en-US" dirty="0" smtClean="0">
+              <a:rPr lang="zh-CN" altLang="en-US" dirty="0">
                 <a:solidFill>
                   <a:schemeClr val="tx1"/>
                 </a:solidFill>
               </a:rPr>
               <a:t>解析</a:t>
-            </a:r>
-            <a:endParaRPr lang="en-US" altLang="zh-CN" dirty="0" smtClean="0">
-              <a:solidFill>
-                <a:schemeClr val="tx1"/>
-              </a:solidFill>
-            </a:endParaRPr>
-          </a:p>
-          <a:p>
-            <a:pPr indent="914400"/>
-            <a:r>
-              <a:rPr lang="en-US" altLang="zh-CN" dirty="0" smtClean="0">
-                <a:solidFill>
-                  <a:schemeClr val="tx1"/>
-                </a:solidFill>
-              </a:rPr>
-              <a:t>String classValue = class</a:t>
-            </a:r>
-            <a:r>
-              <a:rPr lang="zh-CN" altLang="en-US" dirty="0" smtClean="0">
-                <a:solidFill>
-                  <a:schemeClr val="tx1"/>
-                </a:solidFill>
-              </a:rPr>
-              <a:t>属性值</a:t>
-            </a:r>
-            <a:endParaRPr lang="en-US" altLang="zh-CN" dirty="0" smtClean="0">
-              <a:solidFill>
-                <a:schemeClr val="tx1"/>
-              </a:solidFill>
-            </a:endParaRPr>
-          </a:p>
-          <a:p>
-            <a:pPr indent="914400"/>
-            <a:r>
-              <a:rPr lang="en-US" altLang="zh-CN" dirty="0" smtClean="0">
-                <a:solidFill>
-                  <a:schemeClr val="tx1"/>
-                </a:solidFill>
-              </a:rPr>
-              <a:t>// </a:t>
-            </a:r>
-            <a:r>
-              <a:rPr lang="zh-CN" altLang="en-US" dirty="0" smtClean="0">
-                <a:solidFill>
-                  <a:schemeClr val="tx1"/>
-                </a:solidFill>
-              </a:rPr>
-              <a:t>通过反射创建对象</a:t>
-            </a:r>
-            <a:endParaRPr lang="en-US" altLang="zh-CN" dirty="0" smtClean="0">
-              <a:solidFill>
-                <a:schemeClr val="tx1"/>
-              </a:solidFill>
-            </a:endParaRPr>
-          </a:p>
-          <a:p>
-            <a:pPr indent="914400"/>
-            <a:r>
-              <a:rPr lang="en-US" altLang="zh-CN" dirty="0" smtClean="0">
-                <a:solidFill>
-                  <a:schemeClr val="tx1"/>
-                </a:solidFill>
-              </a:rPr>
-              <a:t>Class clazz = Class.forName(</a:t>
-            </a:r>
-            <a:r>
-              <a:rPr lang="en-US" altLang="zh-CN" dirty="0" smtClean="0">
-                <a:solidFill>
-                  <a:schemeClr val="tx1"/>
-                </a:solidFill>
-              </a:rPr>
-              <a:t>classValue</a:t>
-            </a:r>
-            <a:r>
-              <a:rPr lang="en-US" altLang="zh-CN" dirty="0" smtClean="0">
-                <a:solidFill>
-                  <a:schemeClr val="tx1"/>
-                </a:solidFill>
-              </a:rPr>
-              <a:t>);</a:t>
-            </a:r>
-          </a:p>
-          <a:p>
-            <a:pPr indent="914400"/>
-            <a:r>
-              <a:rPr lang="en-US" altLang="zh-CN" dirty="0" smtClean="0">
-                <a:solidFill>
-                  <a:schemeClr val="tx1"/>
-                </a:solidFill>
-              </a:rPr>
-              <a:t>return (UserDao)clazz.newInstance();</a:t>
-            </a:r>
-          </a:p>
-          <a:p>
-            <a:pPr indent="457200"/>
-            <a:r>
-              <a:rPr lang="en-US" altLang="zh-CN" dirty="0" smtClean="0">
-                <a:solidFill>
-                  <a:schemeClr val="tx1"/>
-                </a:solidFill>
-              </a:rPr>
-              <a:t>}</a:t>
             </a:r>
             <a:endParaRPr lang="en-US" altLang="zh-CN" dirty="0">
               <a:solidFill>
@@ -4241,8 +4068,89 @@
             </a:endParaRPr>
           </a:p>
           <a:p>
-            <a:r>
-              <a:rPr lang="en-US" altLang="zh-CN" dirty="0" smtClean="0">
+            <a:pPr indent="914400"/>
+            <a:r>
+              <a:rPr lang="en-US" altLang="zh-CN" dirty="0">
+                <a:solidFill>
+                  <a:schemeClr val="tx1"/>
+                </a:solidFill>
+              </a:rPr>
+              <a:t>String classValue = class</a:t>
+            </a:r>
+            <a:r>
+              <a:rPr lang="zh-CN" altLang="en-US" dirty="0">
+                <a:solidFill>
+                  <a:schemeClr val="tx1"/>
+                </a:solidFill>
+              </a:rPr>
+              <a:t>属性值</a:t>
+            </a:r>
+            <a:endParaRPr lang="en-US" altLang="zh-CN" dirty="0">
+              <a:solidFill>
+                <a:schemeClr val="tx1"/>
+              </a:solidFill>
+            </a:endParaRPr>
+          </a:p>
+          <a:p>
+            <a:pPr indent="914400"/>
+            <a:r>
+              <a:rPr lang="en-US" altLang="zh-CN" dirty="0">
+                <a:solidFill>
+                  <a:schemeClr val="tx1"/>
+                </a:solidFill>
+              </a:rPr>
+              <a:t>// </a:t>
+            </a:r>
+            <a:r>
+              <a:rPr lang="zh-CN" altLang="en-US" dirty="0">
+                <a:solidFill>
+                  <a:schemeClr val="tx1"/>
+                </a:solidFill>
+              </a:rPr>
+              <a:t>通过反射创建对象</a:t>
+            </a:r>
+            <a:endParaRPr lang="en-US" altLang="zh-CN" dirty="0">
+              <a:solidFill>
+                <a:schemeClr val="tx1"/>
+              </a:solidFill>
+            </a:endParaRPr>
+          </a:p>
+          <a:p>
+            <a:pPr indent="914400"/>
+            <a:r>
+              <a:rPr lang="en-US" altLang="zh-CN" dirty="0">
+                <a:solidFill>
+                  <a:schemeClr val="tx1"/>
+                </a:solidFill>
+              </a:rPr>
+              <a:t>Class clazz = Class.forName(classValue);</a:t>
+            </a:r>
+          </a:p>
+          <a:p>
+            <a:pPr indent="914400"/>
+            <a:r>
+              <a:rPr lang="en-US" altLang="zh-CN" dirty="0">
+                <a:solidFill>
+                  <a:schemeClr val="tx1"/>
+                </a:solidFill>
+              </a:rPr>
+              <a:t>return (UserDao)clazz.newInstance();</a:t>
+            </a:r>
+          </a:p>
+          <a:p>
+            <a:pPr indent="457200"/>
+            <a:r>
+              <a:rPr lang="en-US" altLang="zh-CN" dirty="0">
+                <a:solidFill>
+                  <a:schemeClr val="tx1"/>
+                </a:solidFill>
+              </a:rPr>
+              <a:t>}</a:t>
+            </a:r>
+          </a:p>
+          <a:p>
+            <a:r>
+              <a:rPr lang="en-US" altLang="zh-CN" dirty="0">
                 <a:solidFill>
                   <a:schemeClr val="tx1"/>
                 </a:solidFill>
@@ -4275,17 +4183,16 @@
           <a:lstStyle/>
           <a:p>
             <a:r>
-              <a:rPr lang="zh-CN" altLang="en-US" dirty="0" smtClean="0"/>
+              <a:rPr lang="zh-CN" altLang="en-US" dirty="0"/>
               <a:t>目的：</a:t>
             </a:r>
-            <a:endParaRPr lang="en-US" altLang="zh-CN" dirty="0" smtClean="0"/>
-          </a:p>
-          <a:p>
-            <a:r>
-              <a:rPr lang="zh-CN" altLang="en-US" dirty="0" smtClean="0"/>
+            <a:endParaRPr lang="en-US" altLang="zh-CN" dirty="0"/>
+          </a:p>
+          <a:p>
+            <a:r>
+              <a:rPr lang="zh-CN" altLang="en-US" dirty="0"/>
               <a:t>进一步降低耦合度</a:t>
             </a:r>
-            <a:endParaRPr lang="zh-CN" altLang="en-US" dirty="0"/>
           </a:p>
         </p:txBody>
       </p:sp>
@@ -4328,7 +4235,7 @@
           <a:lstStyle/>
           <a:p>
             <a:r>
-              <a:rPr lang="en-US" altLang="zh-CN" dirty="0" smtClean="0">
+              <a:rPr lang="en-US" altLang="zh-CN" dirty="0">
                 <a:solidFill>
                   <a:schemeClr val="tx1"/>
                 </a:solidFill>
@@ -4336,14 +4243,14 @@
               <a:t>// xml</a:t>
             </a:r>
             <a:r>
-              <a:rPr lang="zh-CN" altLang="en-US" dirty="0" smtClean="0">
+              <a:rPr lang="zh-CN" altLang="en-US" dirty="0">
                 <a:solidFill>
                   <a:schemeClr val="tx1"/>
                 </a:solidFill>
               </a:rPr>
               <a:t>配置文件</a:t>
             </a:r>
-            <a:endParaRPr lang="en-US" altLang="zh-CN" dirty="0" smtClean="0">
+            <a:endParaRPr lang="en-US" altLang="zh-CN" dirty="0">
               <a:solidFill>
                 <a:schemeClr val="tx1"/>
               </a:solidFill>
@@ -4351,7 +4258,7 @@
           </a:p>
           <a:p>
             <a:r>
-              <a:rPr lang="en-US" altLang="zh-CN" dirty="0" smtClean="0">
+              <a:rPr lang="en-US" altLang="zh-CN" dirty="0">
                 <a:solidFill>
                   <a:schemeClr val="tx1"/>
                 </a:solidFill>
@@ -4401,6 +4308,400 @@
     <p:extLst>
       <p:ext uri="{BB962C8B-B14F-4D97-AF65-F5344CB8AC3E}">
         <p14:creationId xmlns:p14="http://schemas.microsoft.com/office/powerpoint/2010/main" val="3402375935"/>
+      </p:ext>
+    </p:extLst>
+  </p:cSld>
+  <p:clrMapOvr>
+    <a:masterClrMapping/>
+  </p:clrMapOvr>
+</p:sld>
+</file>
+
+<file path=ppt/slides/slide4.xml><?xml version="1.0" encoding="utf-8"?>
+<p:sld xmlns:a="http://schemas.openxmlformats.org/drawingml/2006/main" xmlns:r="http://schemas.openxmlformats.org/officeDocument/2006/relationships" xmlns:p="http://schemas.openxmlformats.org/presentationml/2006/main">
+  <p:cSld>
+    <p:spTree>
+      <p:nvGrpSpPr>
+        <p:cNvPr id="1" name=""/>
+        <p:cNvGrpSpPr/>
+        <p:nvPr/>
+      </p:nvGrpSpPr>
+      <p:grpSpPr>
+        <a:xfrm>
+          <a:off x="0" y="0"/>
+          <a:ext cx="0" cy="0"/>
+          <a:chOff x="0" y="0"/>
+          <a:chExt cx="0" cy="0"/>
+        </a:xfrm>
+      </p:grpSpPr>
+      <p:sp>
+        <p:nvSpPr>
+          <p:cNvPr id="4" name="文本框 3">
+            <a:extLst>
+              <a:ext uri="{FF2B5EF4-FFF2-40B4-BE49-F238E27FC236}">
+                <a16:creationId xmlns:a16="http://schemas.microsoft.com/office/drawing/2014/main" id="{9E843BA3-DBFA-4ED8-9EAB-76B9F8CD5D6C}"/>
+              </a:ext>
+            </a:extLst>
+          </p:cNvPr>
+          <p:cNvSpPr txBox="1"/>
+          <p:nvPr/>
+        </p:nvSpPr>
+        <p:spPr>
+          <a:xfrm>
+            <a:off x="5542002" y="506027"/>
+            <a:ext cx="1107996" cy="369332"/>
+          </a:xfrm>
+          <a:prstGeom prst="rect">
+            <a:avLst/>
+          </a:prstGeom>
+          <a:noFill/>
+          <a:ln w="19050">
+            <a:solidFill>
+              <a:srgbClr val="FF0000"/>
+            </a:solidFill>
+          </a:ln>
+        </p:spPr>
+        <p:txBody>
+          <a:bodyPr wrap="none" rtlCol="0">
+            <a:spAutoFit/>
+          </a:bodyPr>
+          <a:lstStyle/>
+          <a:p>
+            <a:r>
+              <a:rPr lang="zh-CN" altLang="en-US" dirty="0"/>
+              <a:t>转账环境</a:t>
+            </a:r>
+          </a:p>
+        </p:txBody>
+      </p:sp>
+      <p:sp>
+        <p:nvSpPr>
+          <p:cNvPr id="5" name="矩形: 圆角 4">
+            <a:extLst>
+              <a:ext uri="{FF2B5EF4-FFF2-40B4-BE49-F238E27FC236}">
+                <a16:creationId xmlns:a16="http://schemas.microsoft.com/office/drawing/2014/main" id="{5443C527-BCC6-4F9E-A417-120BEB739900}"/>
+              </a:ext>
+            </a:extLst>
+          </p:cNvPr>
+          <p:cNvSpPr/>
+          <p:nvPr/>
+        </p:nvSpPr>
+        <p:spPr>
+          <a:xfrm>
+            <a:off x="2858610" y="1819922"/>
+            <a:ext cx="2432481" cy="1162975"/>
+          </a:xfrm>
+          <a:prstGeom prst="roundRect">
+            <a:avLst/>
+          </a:prstGeom>
+        </p:spPr>
+        <p:style>
+          <a:lnRef idx="2">
+            <a:schemeClr val="dk1"/>
+          </a:lnRef>
+          <a:fillRef idx="1">
+            <a:schemeClr val="lt1"/>
+          </a:fillRef>
+          <a:effectRef idx="0">
+            <a:schemeClr val="dk1"/>
+          </a:effectRef>
+          <a:fontRef idx="minor">
+            <a:schemeClr val="dk1"/>
+          </a:fontRef>
+        </p:style>
+        <p:txBody>
+          <a:bodyPr rtlCol="0" anchor="ctr"/>
+          <a:lstStyle/>
+          <a:p>
+            <a:pPr algn="ctr"/>
+            <a:r>
+              <a:rPr lang="zh-CN" altLang="en-US" dirty="0"/>
+              <a:t>业务操作</a:t>
+            </a:r>
+          </a:p>
+        </p:txBody>
+      </p:sp>
+      <p:sp>
+        <p:nvSpPr>
+          <p:cNvPr id="6" name="矩形: 圆角 5">
+            <a:extLst>
+              <a:ext uri="{FF2B5EF4-FFF2-40B4-BE49-F238E27FC236}">
+                <a16:creationId xmlns:a16="http://schemas.microsoft.com/office/drawing/2014/main" id="{46853C94-FE02-4657-ACEC-E2DEE2BEDB52}"/>
+              </a:ext>
+            </a:extLst>
+          </p:cNvPr>
+          <p:cNvSpPr/>
+          <p:nvPr/>
+        </p:nvSpPr>
+        <p:spPr>
+          <a:xfrm>
+            <a:off x="6900911" y="1819921"/>
+            <a:ext cx="2183907" cy="1162975"/>
+          </a:xfrm>
+          <a:prstGeom prst="roundRect">
+            <a:avLst/>
+          </a:prstGeom>
+        </p:spPr>
+        <p:style>
+          <a:lnRef idx="2">
+            <a:schemeClr val="dk1"/>
+          </a:lnRef>
+          <a:fillRef idx="1">
+            <a:schemeClr val="lt1"/>
+          </a:fillRef>
+          <a:effectRef idx="0">
+            <a:schemeClr val="dk1"/>
+          </a:effectRef>
+          <a:fontRef idx="minor">
+            <a:schemeClr val="dk1"/>
+          </a:fontRef>
+        </p:style>
+        <p:txBody>
+          <a:bodyPr rtlCol="0" anchor="ctr"/>
+          <a:lstStyle/>
+          <a:p>
+            <a:pPr algn="ctr"/>
+            <a:r>
+              <a:rPr lang="zh-CN" altLang="en-US" dirty="0"/>
+              <a:t>数据库操作</a:t>
+            </a:r>
+          </a:p>
+        </p:txBody>
+      </p:sp>
+      <p:sp>
+        <p:nvSpPr>
+          <p:cNvPr id="7" name="文本框 6">
+            <a:extLst>
+              <a:ext uri="{FF2B5EF4-FFF2-40B4-BE49-F238E27FC236}">
+                <a16:creationId xmlns:a16="http://schemas.microsoft.com/office/drawing/2014/main" id="{C30EB4E1-7CA1-48B8-B242-27FA039547E7}"/>
+              </a:ext>
+            </a:extLst>
+          </p:cNvPr>
+          <p:cNvSpPr txBox="1"/>
+          <p:nvPr/>
+        </p:nvSpPr>
+        <p:spPr>
+          <a:xfrm>
+            <a:off x="3530213" y="1333130"/>
+            <a:ext cx="1089273" cy="369332"/>
+          </a:xfrm>
+          <a:prstGeom prst="rect">
+            <a:avLst/>
+          </a:prstGeom>
+          <a:noFill/>
+        </p:spPr>
+        <p:txBody>
+          <a:bodyPr wrap="none" rtlCol="0">
+            <a:spAutoFit/>
+          </a:bodyPr>
+          <a:lstStyle/>
+          <a:p>
+            <a:r>
+              <a:rPr lang="en-US" altLang="zh-CN" dirty="0"/>
+              <a:t>Service</a:t>
+            </a:r>
+            <a:r>
+              <a:rPr lang="zh-CN" altLang="en-US" dirty="0"/>
+              <a:t>层</a:t>
+            </a:r>
+          </a:p>
+        </p:txBody>
+      </p:sp>
+      <p:sp>
+        <p:nvSpPr>
+          <p:cNvPr id="8" name="文本框 7">
+            <a:extLst>
+              <a:ext uri="{FF2B5EF4-FFF2-40B4-BE49-F238E27FC236}">
+                <a16:creationId xmlns:a16="http://schemas.microsoft.com/office/drawing/2014/main" id="{0C7B7F90-BC1E-404D-9E4B-7FDE90516536}"/>
+              </a:ext>
+            </a:extLst>
+          </p:cNvPr>
+          <p:cNvSpPr txBox="1"/>
+          <p:nvPr/>
+        </p:nvSpPr>
+        <p:spPr>
+          <a:xfrm>
+            <a:off x="7597563" y="1333129"/>
+            <a:ext cx="790601" cy="369332"/>
+          </a:xfrm>
+          <a:prstGeom prst="rect">
+            <a:avLst/>
+          </a:prstGeom>
+          <a:noFill/>
+        </p:spPr>
+        <p:txBody>
+          <a:bodyPr wrap="none" rtlCol="0">
+            <a:spAutoFit/>
+          </a:bodyPr>
+          <a:lstStyle/>
+          <a:p>
+            <a:r>
+              <a:rPr lang="en-US" altLang="zh-CN" dirty="0"/>
+              <a:t>Dao</a:t>
+            </a:r>
+            <a:r>
+              <a:rPr lang="zh-CN" altLang="en-US" dirty="0"/>
+              <a:t>层</a:t>
+            </a:r>
+          </a:p>
+        </p:txBody>
+      </p:sp>
+      <p:sp>
+        <p:nvSpPr>
+          <p:cNvPr id="9" name="矩形: 圆角 8">
+            <a:extLst>
+              <a:ext uri="{FF2B5EF4-FFF2-40B4-BE49-F238E27FC236}">
+                <a16:creationId xmlns:a16="http://schemas.microsoft.com/office/drawing/2014/main" id="{00EFEDE2-94E7-42AA-9403-D56DE532984E}"/>
+              </a:ext>
+            </a:extLst>
+          </p:cNvPr>
+          <p:cNvSpPr/>
+          <p:nvPr/>
+        </p:nvSpPr>
+        <p:spPr>
+          <a:xfrm>
+            <a:off x="6900911" y="3204838"/>
+            <a:ext cx="2183907" cy="1162975"/>
+          </a:xfrm>
+          <a:prstGeom prst="roundRect">
+            <a:avLst/>
+          </a:prstGeom>
+        </p:spPr>
+        <p:style>
+          <a:lnRef idx="2">
+            <a:schemeClr val="dk1"/>
+          </a:lnRef>
+          <a:fillRef idx="1">
+            <a:schemeClr val="lt1"/>
+          </a:fillRef>
+          <a:effectRef idx="0">
+            <a:schemeClr val="dk1"/>
+          </a:effectRef>
+          <a:fontRef idx="minor">
+            <a:schemeClr val="dk1"/>
+          </a:fontRef>
+        </p:style>
+        <p:txBody>
+          <a:bodyPr rtlCol="0" anchor="ctr"/>
+          <a:lstStyle/>
+          <a:p>
+            <a:pPr>
+              <a:lnSpc>
+                <a:spcPct val="125000"/>
+              </a:lnSpc>
+            </a:pPr>
+            <a:r>
+              <a:rPr lang="zh-CN" altLang="en-US" dirty="0"/>
+              <a:t>两个方法：</a:t>
+            </a:r>
+            <a:endParaRPr lang="en-US" altLang="zh-CN" dirty="0"/>
+          </a:p>
+          <a:p>
+            <a:pPr marL="342900" indent="-342900">
+              <a:lnSpc>
+                <a:spcPct val="125000"/>
+              </a:lnSpc>
+              <a:buFont typeface="+mj-lt"/>
+              <a:buAutoNum type="arabicPeriod"/>
+            </a:pPr>
+            <a:r>
+              <a:rPr lang="zh-CN" altLang="en-US" dirty="0"/>
+              <a:t>钱减少的方法</a:t>
+            </a:r>
+            <a:endParaRPr lang="en-US" altLang="zh-CN" dirty="0"/>
+          </a:p>
+          <a:p>
+            <a:pPr marL="342900" indent="-342900">
+              <a:lnSpc>
+                <a:spcPct val="125000"/>
+              </a:lnSpc>
+              <a:buFont typeface="+mj-lt"/>
+              <a:buAutoNum type="arabicPeriod"/>
+            </a:pPr>
+            <a:r>
+              <a:rPr lang="zh-CN" altLang="en-US" dirty="0"/>
+              <a:t>钱增加的方法</a:t>
+            </a:r>
+          </a:p>
+        </p:txBody>
+      </p:sp>
+      <p:sp>
+        <p:nvSpPr>
+          <p:cNvPr id="10" name="矩形: 圆角 9">
+            <a:extLst>
+              <a:ext uri="{FF2B5EF4-FFF2-40B4-BE49-F238E27FC236}">
+                <a16:creationId xmlns:a16="http://schemas.microsoft.com/office/drawing/2014/main" id="{C6990FE9-EBC5-4A8F-AB36-C5C2E0102AFF}"/>
+              </a:ext>
+            </a:extLst>
+          </p:cNvPr>
+          <p:cNvSpPr/>
+          <p:nvPr/>
+        </p:nvSpPr>
+        <p:spPr>
+          <a:xfrm>
+            <a:off x="2858610" y="3204839"/>
+            <a:ext cx="2432481" cy="1162975"/>
+          </a:xfrm>
+          <a:prstGeom prst="roundRect">
+            <a:avLst/>
+          </a:prstGeom>
+        </p:spPr>
+        <p:style>
+          <a:lnRef idx="2">
+            <a:schemeClr val="dk1"/>
+          </a:lnRef>
+          <a:fillRef idx="1">
+            <a:schemeClr val="lt1"/>
+          </a:fillRef>
+          <a:effectRef idx="0">
+            <a:schemeClr val="dk1"/>
+          </a:effectRef>
+          <a:fontRef idx="minor">
+            <a:schemeClr val="dk1"/>
+          </a:fontRef>
+        </p:style>
+        <p:txBody>
+          <a:bodyPr rtlCol="0" anchor="ctr"/>
+          <a:lstStyle/>
+          <a:p>
+            <a:r>
+              <a:rPr lang="zh-CN" altLang="en-US" dirty="0"/>
+              <a:t>转账业务</a:t>
+            </a:r>
+            <a:endParaRPr lang="en-US" altLang="zh-CN" dirty="0"/>
+          </a:p>
+          <a:p>
+            <a:pPr marL="342900" indent="-342900">
+              <a:buFont typeface="+mj-lt"/>
+              <a:buAutoNum type="arabicPeriod"/>
+            </a:pPr>
+            <a:r>
+              <a:rPr lang="zh-CN" altLang="en-US" dirty="0"/>
+              <a:t>调用</a:t>
+            </a:r>
+            <a:r>
+              <a:rPr lang="en-US" altLang="zh-CN" dirty="0" err="1"/>
+              <a:t>dao</a:t>
+            </a:r>
+            <a:r>
+              <a:rPr lang="zh-CN" altLang="en-US" dirty="0"/>
+              <a:t>两个方法</a:t>
+            </a:r>
+            <a:endParaRPr lang="en-US" altLang="zh-CN" dirty="0"/>
+          </a:p>
+          <a:p>
+            <a:pPr marL="342900" indent="-342900">
+              <a:buFont typeface="+mj-lt"/>
+              <a:buAutoNum type="arabicPeriod"/>
+            </a:pPr>
+            <a:endParaRPr lang="zh-CN" altLang="en-US" dirty="0"/>
+          </a:p>
+        </p:txBody>
+      </p:sp>
+    </p:spTree>
+    <p:extLst>
+      <p:ext uri="{BB962C8B-B14F-4D97-AF65-F5344CB8AC3E}">
+        <p14:creationId xmlns:p14="http://schemas.microsoft.com/office/powerpoint/2010/main" val="2216331731"/>
       </p:ext>
     </p:extLst>
   </p:cSld>
